--- a/Case Study for Abnormal Energy Usage.pptx
+++ b/Case Study for Abnormal Energy Usage.pptx
@@ -3250,7 +3250,7 @@
         </p:nvSpPr>
         <p:spPr>
           <a:xfrm>
-            <a:off x="5382259" y="1986515"/>
+            <a:off x="5381730" y="1853779"/>
             <a:ext cx="5910648" cy="1077218"/>
           </a:xfrm>
           <a:prstGeom prst="rect">
@@ -3378,8 +3378,8 @@
         </p:nvSpPr>
         <p:spPr>
           <a:xfrm>
-            <a:off x="5381730" y="3222676"/>
-            <a:ext cx="4932751" cy="2965555"/>
+            <a:off x="5381730" y="3057787"/>
+            <a:ext cx="4932751" cy="3046988"/>
           </a:xfrm>
           <a:prstGeom prst="rect">
             <a:avLst/>
@@ -3393,7 +3393,7 @@
           <a:lstStyle/>
           <a:p>
             <a:r>
-              <a:rPr lang="en-US" dirty="0">
+              <a:rPr lang="en-US" sz="1600" dirty="0">
                 <a:solidFill>
                   <a:schemeClr val="bg1"/>
                 </a:solidFill>
@@ -3401,7 +3401,7 @@
               <a:t>Dr. Subhash University (</a:t>
             </a:r>
             <a:r>
-              <a:rPr lang="en-US" dirty="0" err="1">
+              <a:rPr lang="en-US" sz="1600" dirty="0" err="1">
                 <a:solidFill>
                   <a:schemeClr val="bg1"/>
                 </a:solidFill>
@@ -3409,7 +3409,7 @@
               <a:t>DSU</a:t>
             </a:r>
             <a:r>
-              <a:rPr lang="en-US" dirty="0">
+              <a:rPr lang="en-US" sz="1600" dirty="0">
                 <a:solidFill>
                   <a:schemeClr val="bg1"/>
                 </a:solidFill>
@@ -3418,7 +3418,7 @@
             </a:r>
           </a:p>
           <a:p>
-            <a:endParaRPr lang="en-US" dirty="0">
+            <a:endParaRPr lang="en-US" sz="1600" dirty="0">
               <a:solidFill>
                 <a:schemeClr val="bg1"/>
               </a:solidFill>
@@ -3426,7 +3426,7 @@
           </a:p>
           <a:p>
             <a:r>
-              <a:rPr lang="en-US" dirty="0">
+              <a:rPr lang="en-US" sz="1600" dirty="0">
                 <a:solidFill>
                   <a:schemeClr val="bg1"/>
                 </a:solidFill>
@@ -3436,7 +3436,7 @@
           </a:p>
           <a:p>
             <a:r>
-              <a:rPr lang="en-US" dirty="0">
+              <a:rPr lang="en-US" sz="1600" dirty="0">
                 <a:solidFill>
                   <a:schemeClr val="bg1"/>
                 </a:solidFill>
@@ -3446,7 +3446,7 @@
           </a:p>
           <a:p>
             <a:r>
-              <a:rPr lang="en-US" dirty="0">
+              <a:rPr lang="en-US" sz="1600" dirty="0">
                 <a:solidFill>
                   <a:schemeClr val="bg1"/>
                 </a:solidFill>
@@ -3456,7 +3456,7 @@
           </a:p>
           <a:p>
             <a:r>
-              <a:rPr lang="en-US" dirty="0">
+              <a:rPr lang="en-US" sz="1600" dirty="0">
                 <a:solidFill>
                   <a:schemeClr val="bg1"/>
                 </a:solidFill>
@@ -3464,14 +3464,14 @@
               <a:t>Ankit </a:t>
             </a:r>
             <a:r>
-              <a:rPr lang="en-US" dirty="0" err="1">
+              <a:rPr lang="en-US" sz="1600" dirty="0" err="1">
                 <a:solidFill>
                   <a:schemeClr val="bg1"/>
                 </a:solidFill>
               </a:rPr>
               <a:t>Dervaniya</a:t>
             </a:r>
-            <a:endParaRPr lang="en-US" dirty="0">
+            <a:endParaRPr lang="en-US" sz="1600" dirty="0">
               <a:solidFill>
                 <a:schemeClr val="bg1"/>
               </a:solidFill>
@@ -3479,7 +3479,7 @@
           </a:p>
           <a:p>
             <a:r>
-              <a:rPr lang="en-US" dirty="0">
+              <a:rPr lang="en-US" sz="1600" dirty="0">
                 <a:solidFill>
                   <a:schemeClr val="bg1"/>
                 </a:solidFill>
@@ -3487,14 +3487,14 @@
               <a:t>Sakshi </a:t>
             </a:r>
             <a:r>
-              <a:rPr lang="en-US" dirty="0" err="1">
+              <a:rPr lang="en-US" sz="1600" dirty="0" err="1">
                 <a:solidFill>
                   <a:schemeClr val="bg1"/>
                 </a:solidFill>
               </a:rPr>
               <a:t>Fadadu</a:t>
             </a:r>
-            <a:endParaRPr lang="en-US" dirty="0">
+            <a:endParaRPr lang="en-US" sz="1600" dirty="0">
               <a:solidFill>
                 <a:schemeClr val="bg1"/>
               </a:solidFill>
@@ -3502,7 +3502,7 @@
           </a:p>
           <a:p>
             <a:r>
-              <a:rPr lang="en-US" dirty="0" err="1">
+              <a:rPr lang="en-US" sz="1600" dirty="0" err="1">
                 <a:solidFill>
                   <a:schemeClr val="bg1"/>
                 </a:solidFill>
@@ -3510,7 +3510,7 @@
               <a:t>Kumbhani</a:t>
             </a:r>
             <a:r>
-              <a:rPr lang="en-US" dirty="0">
+              <a:rPr lang="en-US" sz="1600" dirty="0">
                 <a:solidFill>
                   <a:schemeClr val="bg1"/>
                 </a:solidFill>
@@ -3519,7 +3519,7 @@
             </a:r>
           </a:p>
           <a:p>
-            <a:endParaRPr lang="en-US" dirty="0">
+            <a:endParaRPr lang="en-US" sz="1600" dirty="0">
               <a:solidFill>
                 <a:schemeClr val="bg1"/>
               </a:solidFill>
@@ -3527,14 +3527,47 @@
           </a:p>
           <a:p>
             <a:r>
-              <a:rPr lang="en-US" dirty="0">
+              <a:rPr lang="en-US" sz="1600" dirty="0">
+                <a:solidFill>
+                  <a:schemeClr val="bg1"/>
+                </a:solidFill>
+              </a:rPr>
+              <a:t>Team ID:  </a:t>
+            </a:r>
+            <a:r>
+              <a:rPr lang="en-US" sz="1600" dirty="0" err="1">
+                <a:solidFill>
+                  <a:schemeClr val="bg1"/>
+                </a:solidFill>
+              </a:rPr>
+              <a:t>S4F_CP_Team_54364</a:t>
+            </a:r>
+            <a:endParaRPr lang="en-US" sz="1600" dirty="0">
+              <a:solidFill>
+                <a:schemeClr val="bg1"/>
+              </a:solidFill>
+            </a:endParaRPr>
+          </a:p>
+          <a:p>
+            <a:r>
+              <a:rPr lang="en-US" sz="1600" dirty="0">
+                <a:solidFill>
+                  <a:schemeClr val="bg1"/>
+                </a:solidFill>
+              </a:rPr>
+              <a:t>	</a:t>
+            </a:r>
+          </a:p>
+          <a:p>
+            <a:r>
+              <a:rPr lang="en-US" sz="1600" dirty="0">
                 <a:solidFill>
                   <a:schemeClr val="bg1"/>
                 </a:solidFill>
               </a:rPr>
               <a:t>Date: February 13, 2026</a:t>
             </a:r>
-            <a:endParaRPr lang="en-IN" dirty="0">
+            <a:endParaRPr lang="en-IN" sz="1600" dirty="0">
               <a:solidFill>
                 <a:schemeClr val="bg1"/>
               </a:solidFill>

--- a/Case Study for Abnormal Energy Usage.pptx
+++ b/Case Study for Abnormal Energy Usage.pptx
@@ -272,7 +272,7 @@
       </p15:sldGuideLst>
     </p:ext>
     <p:ext uri="http://customooxmlschemas.google.com/">
-      <go:slidesCustomData xmlns="" xmlns:go="http://customooxmlschemas.google.com/" xmlns:p15="http://schemas.microsoft.com/office/powerpoint/2012/main" xmlns:p14="http://schemas.microsoft.com/office/powerpoint/2010/main" xmlns:com="http://schemas.openxmlformats.org/drawingml/2006/compatibility" xmlns:pvml="urn:schemas-microsoft-com:office:powerpoint" xmlns:v="urn:schemas-microsoft-com:vml" xmlns:o="urn:schemas-microsoft-com:office:office" xmlns:dgm="http://schemas.openxmlformats.org/drawingml/2006/diagram" xmlns:c="http://schemas.openxmlformats.org/drawingml/2006/chart" xmlns:mv="urn:schemas-microsoft-com:mac:vml" xmlns:mc="http://schemas.openxmlformats.org/markup-compatibility/2006" r:id="rId220" roundtripDataSignature="AMtx7miWNY2LB4ETJwrL8F0N+EK9hEhqUQ=="/>
+      <go:slidesCustomData xmlns:mc="http://schemas.openxmlformats.org/markup-compatibility/2006" xmlns:mv="urn:schemas-microsoft-com:mac:vml" xmlns:c="http://schemas.openxmlformats.org/drawingml/2006/chart" xmlns:dgm="http://schemas.openxmlformats.org/drawingml/2006/diagram" xmlns:o="urn:schemas-microsoft-com:office:office" xmlns:v="urn:schemas-microsoft-com:vml" xmlns:pvml="urn:schemas-microsoft-com:office:powerpoint" xmlns:com="http://schemas.openxmlformats.org/drawingml/2006/compatibility" xmlns:p14="http://schemas.microsoft.com/office/powerpoint/2010/main" xmlns:p15="http://schemas.microsoft.com/office/powerpoint/2012/main" xmlns:go="http://customooxmlschemas.google.com/" xmlns="" r:id="rId220" roundtripDataSignature="AMtx7miWNY2LB4ETJwrL8F0N+EK9hEhqUQ=="/>
     </p:ext>
   </p:extLst>
 </p:presentation>
@@ -3250,8 +3250,8 @@
         </p:nvSpPr>
         <p:spPr>
           <a:xfrm>
-            <a:off x="5381730" y="1853779"/>
-            <a:ext cx="5910648" cy="1077218"/>
+            <a:off x="4962182" y="1812558"/>
+            <a:ext cx="6731380" cy="954107"/>
           </a:xfrm>
           <a:prstGeom prst="rect">
             <a:avLst/>
@@ -3265,7 +3265,7 @@
           <a:lstStyle/>
           <a:p>
             <a:r>
-              <a:rPr lang="en-US" sz="3200" b="1" dirty="0">
+              <a:rPr lang="en-US" sz="2800" b="1" dirty="0">
                 <a:solidFill>
                   <a:schemeClr val="bg1"/>
                 </a:solidFill>
@@ -3378,8 +3378,8 @@
         </p:nvSpPr>
         <p:spPr>
           <a:xfrm>
-            <a:off x="5381730" y="3057787"/>
-            <a:ext cx="4932751" cy="3046988"/>
+            <a:off x="4962182" y="2766665"/>
+            <a:ext cx="5910648" cy="3108543"/>
           </a:xfrm>
           <a:prstGeom prst="rect">
             <a:avLst/>
@@ -3393,15 +3393,15 @@
           <a:lstStyle/>
           <a:p>
             <a:r>
-              <a:rPr lang="en-US" sz="1600" dirty="0">
+              <a:rPr lang="en-US" sz="1400" dirty="0">
                 <a:solidFill>
                   <a:schemeClr val="bg1"/>
                 </a:solidFill>
               </a:rPr>
-              <a:t>Dr. Subhash University (</a:t>
-            </a:r>
-            <a:r>
-              <a:rPr lang="en-US" sz="1600" dirty="0" err="1">
+              <a:t>University: Dr. Subhash University (</a:t>
+            </a:r>
+            <a:r>
+              <a:rPr lang="en-US" sz="1400" dirty="0" err="1">
                 <a:solidFill>
                   <a:schemeClr val="bg1"/>
                 </a:solidFill>
@@ -3409,7 +3409,7 @@
               <a:t>DSU</a:t>
             </a:r>
             <a:r>
-              <a:rPr lang="en-US" sz="1600" dirty="0">
+              <a:rPr lang="en-US" sz="1400" dirty="0">
                 <a:solidFill>
                   <a:schemeClr val="bg1"/>
                 </a:solidFill>
@@ -3418,7 +3418,7 @@
             </a:r>
           </a:p>
           <a:p>
-            <a:endParaRPr lang="en-US" sz="1600" dirty="0">
+            <a:endParaRPr lang="en-US" sz="1400" dirty="0">
               <a:solidFill>
                 <a:schemeClr val="bg1"/>
               </a:solidFill>
@@ -3426,7 +3426,7 @@
           </a:p>
           <a:p>
             <a:r>
-              <a:rPr lang="en-US" sz="1600" dirty="0">
+              <a:rPr lang="en-US" sz="1400" dirty="0">
                 <a:solidFill>
                   <a:schemeClr val="bg1"/>
                 </a:solidFill>
@@ -3436,7 +3436,7 @@
           </a:p>
           <a:p>
             <a:r>
-              <a:rPr lang="en-US" sz="1600" dirty="0">
+              <a:rPr lang="en-US" sz="1400" dirty="0">
                 <a:solidFill>
                   <a:schemeClr val="bg1"/>
                 </a:solidFill>
@@ -3446,7 +3446,7 @@
           </a:p>
           <a:p>
             <a:r>
-              <a:rPr lang="en-US" sz="1600" dirty="0">
+              <a:rPr lang="en-US" sz="1400" dirty="0">
                 <a:solidFill>
                   <a:schemeClr val="bg1"/>
                 </a:solidFill>
@@ -3456,7 +3456,7 @@
           </a:p>
           <a:p>
             <a:r>
-              <a:rPr lang="en-US" sz="1600" dirty="0">
+              <a:rPr lang="en-US" sz="1400" dirty="0">
                 <a:solidFill>
                   <a:schemeClr val="bg1"/>
                 </a:solidFill>
@@ -3464,14 +3464,14 @@
               <a:t>Ankit </a:t>
             </a:r>
             <a:r>
-              <a:rPr lang="en-US" sz="1600" dirty="0" err="1">
+              <a:rPr lang="en-US" sz="1400" dirty="0" err="1">
                 <a:solidFill>
                   <a:schemeClr val="bg1"/>
                 </a:solidFill>
               </a:rPr>
               <a:t>Dervaniya</a:t>
             </a:r>
-            <a:endParaRPr lang="en-US" sz="1600" dirty="0">
+            <a:endParaRPr lang="en-US" sz="1400" dirty="0">
               <a:solidFill>
                 <a:schemeClr val="bg1"/>
               </a:solidFill>
@@ -3479,7 +3479,7 @@
           </a:p>
           <a:p>
             <a:r>
-              <a:rPr lang="en-US" sz="1600" dirty="0">
+              <a:rPr lang="en-US" sz="1400" dirty="0">
                 <a:solidFill>
                   <a:schemeClr val="bg1"/>
                 </a:solidFill>
@@ -3487,14 +3487,14 @@
               <a:t>Sakshi </a:t>
             </a:r>
             <a:r>
-              <a:rPr lang="en-US" sz="1600" dirty="0" err="1">
+              <a:rPr lang="en-US" sz="1400" dirty="0" err="1">
                 <a:solidFill>
                   <a:schemeClr val="bg1"/>
                 </a:solidFill>
               </a:rPr>
               <a:t>Fadadu</a:t>
             </a:r>
-            <a:endParaRPr lang="en-US" sz="1600" dirty="0">
+            <a:endParaRPr lang="en-US" sz="1400" dirty="0">
               <a:solidFill>
                 <a:schemeClr val="bg1"/>
               </a:solidFill>
@@ -3502,7 +3502,7 @@
           </a:p>
           <a:p>
             <a:r>
-              <a:rPr lang="en-US" sz="1600" dirty="0" err="1">
+              <a:rPr lang="en-US" sz="1400" dirty="0" err="1">
                 <a:solidFill>
                   <a:schemeClr val="bg1"/>
                 </a:solidFill>
@@ -3510,7 +3510,7 @@
               <a:t>Kumbhani</a:t>
             </a:r>
             <a:r>
-              <a:rPr lang="en-US" sz="1600" dirty="0">
+              <a:rPr lang="en-US" sz="1400" dirty="0">
                 <a:solidFill>
                   <a:schemeClr val="bg1"/>
                 </a:solidFill>
@@ -3519,7 +3519,7 @@
             </a:r>
           </a:p>
           <a:p>
-            <a:endParaRPr lang="en-US" sz="1600" dirty="0">
+            <a:endParaRPr lang="en-US" sz="1400" dirty="0">
               <a:solidFill>
                 <a:schemeClr val="bg1"/>
               </a:solidFill>
@@ -3527,22 +3527,22 @@
           </a:p>
           <a:p>
             <a:r>
-              <a:rPr lang="en-US" sz="1600" dirty="0">
+              <a:rPr lang="en-US" sz="1400" dirty="0">
                 <a:solidFill>
                   <a:schemeClr val="bg1"/>
                 </a:solidFill>
               </a:rPr>
-              <a:t>Team ID:  </a:t>
-            </a:r>
-            <a:r>
-              <a:rPr lang="en-US" sz="1600" dirty="0" err="1">
+              <a:t>Trainer Name: Rohit </a:t>
+            </a:r>
+            <a:r>
+              <a:rPr lang="en-US" sz="1400" dirty="0" err="1">
                 <a:solidFill>
                   <a:schemeClr val="bg1"/>
                 </a:solidFill>
               </a:rPr>
-              <a:t>S4F_CP_Team_54364</a:t>
-            </a:r>
-            <a:endParaRPr lang="en-US" sz="1600" dirty="0">
+              <a:t>Bhadauriya</a:t>
+            </a:r>
+            <a:endParaRPr lang="en-US" sz="1400" dirty="0">
               <a:solidFill>
                 <a:schemeClr val="bg1"/>
               </a:solidFill>
@@ -3550,24 +3550,54 @@
           </a:p>
           <a:p>
             <a:r>
-              <a:rPr lang="en-US" sz="1600" dirty="0">
+              <a:rPr lang="en-US" sz="1400" dirty="0">
                 <a:solidFill>
                   <a:schemeClr val="bg1"/>
                 </a:solidFill>
               </a:rPr>
-              <a:t>	</a:t>
-            </a:r>
-          </a:p>
-          <a:p>
-            <a:r>
-              <a:rPr lang="en-US" sz="1600" dirty="0">
+              <a:t>Team ID:  </a:t>
+            </a:r>
+            <a:r>
+              <a:rPr lang="en-US" sz="1400" dirty="0" err="1">
+                <a:solidFill>
+                  <a:schemeClr val="bg1"/>
+                </a:solidFill>
+              </a:rPr>
+              <a:t>S4F_CP_Team_54364</a:t>
+            </a:r>
+            <a:endParaRPr lang="en-US" sz="1400" dirty="0">
+              <a:solidFill>
+                <a:schemeClr val="bg1"/>
+              </a:solidFill>
+            </a:endParaRPr>
+          </a:p>
+          <a:p>
+            <a:r>
+              <a:rPr lang="en-US" sz="1400" dirty="0">
+                <a:solidFill>
+                  <a:schemeClr val="bg1"/>
+                </a:solidFill>
+              </a:rPr>
+              <a:t>Link: </a:t>
+            </a:r>
+            <a:r>
+              <a:rPr lang="en-US" sz="1400" dirty="0">
+                <a:hlinkClick r:id="rId6"/>
+              </a:rPr>
+              <a:t>https://github.com/aryanbhogayata/Abnormal-Electricity-Usage-Detection</a:t>
+            </a:r>
+            <a:endParaRPr lang="en-US" sz="1400" dirty="0"/>
+          </a:p>
+          <a:p>
+            <a:r>
+              <a:rPr lang="en-US" sz="1400" dirty="0">
                 <a:solidFill>
                   <a:schemeClr val="bg1"/>
                 </a:solidFill>
               </a:rPr>
               <a:t>Date: February 13, 2026</a:t>
             </a:r>
-            <a:endParaRPr lang="en-IN" sz="1600" dirty="0">
+            <a:endParaRPr lang="en-IN" sz="1400" dirty="0">
               <a:solidFill>
                 <a:schemeClr val="bg1"/>
               </a:solidFill>
@@ -8438,6 +8468,14 @@
 </file>
 
 <file path=customXml/item1.xml><?xml version="1.0" encoding="utf-8"?>
+<p:properties xmlns:p="http://schemas.microsoft.com/office/2006/metadata/properties" xmlns:xsi="http://www.w3.org/2001/XMLSchema-instance" xmlns:pc="http://schemas.microsoft.com/office/infopath/2007/PartnerControls">
+  <documentManagement>
+    <_activity xmlns="9162bd5b-4ed9-4da3-b376-05204580ba3f" xsi:nil="true"/>
+  </documentManagement>
+</p:properties>
+</file>
+
+<file path=customXml/item2.xml><?xml version="1.0" encoding="utf-8"?>
 <ct:contentTypeSchema xmlns:ct="http://schemas.microsoft.com/office/2006/metadata/contentType" xmlns:ma="http://schemas.microsoft.com/office/2006/metadata/properties/metaAttributes" ct:_="" ma:_="" ma:contentTypeName="Document" ma:contentTypeID="0x0101000F1872188ABCFC48BECA6C87E8AC3285" ma:contentTypeVersion="15" ma:contentTypeDescription="Create a new document." ma:contentTypeScope="" ma:versionID="7670618c03e54fbae4a17ecb2d0ed10f">
   <xsd:schema xmlns:xsd="http://www.w3.org/2001/XMLSchema" xmlns:xs="http://www.w3.org/2001/XMLSchema" xmlns:p="http://schemas.microsoft.com/office/2006/metadata/properties" xmlns:ns3="9162bd5b-4ed9-4da3-b376-05204580ba3f" xmlns:ns4="c0fa2617-96bd-425d-8578-e93563fe37c5" targetNamespace="http://schemas.microsoft.com/office/2006/metadata/properties" ma:root="true" ma:fieldsID="3d63de1c5a217044e31e0c8b260d3d71" ns3:_="" ns4:_="">
     <xsd:import namespace="9162bd5b-4ed9-4da3-b376-05204580ba3f"/>
@@ -8672,14 +8710,6 @@
 </ct:contentTypeSchema>
 </file>
 
-<file path=customXml/item2.xml><?xml version="1.0" encoding="utf-8"?>
-<p:properties xmlns:p="http://schemas.microsoft.com/office/2006/metadata/properties" xmlns:xsi="http://www.w3.org/2001/XMLSchema-instance" xmlns:pc="http://schemas.microsoft.com/office/infopath/2007/PartnerControls">
-  <documentManagement>
-    <_activity xmlns="9162bd5b-4ed9-4da3-b376-05204580ba3f" xsi:nil="true"/>
-  </documentManagement>
-</p:properties>
-</file>
-
 <file path=customXml/item3.xml><?xml version="1.0" encoding="utf-8"?>
 <?mso-contentType ?>
 <FormTemplates xmlns="http://schemas.microsoft.com/sharepoint/v3/contenttype/forms">
@@ -8690,6 +8720,23 @@
 </file>
 
 <file path=customXml/itemProps1.xml><?xml version="1.0" encoding="utf-8"?>
+<ds:datastoreItem xmlns:ds="http://schemas.openxmlformats.org/officeDocument/2006/customXml" ds:itemID="{A6559A34-456E-49A1-8157-9E3D18BFAD36}">
+  <ds:schemaRefs>
+    <ds:schemaRef ds:uri="9162bd5b-4ed9-4da3-b376-05204580ba3f"/>
+    <ds:schemaRef ds:uri="c0fa2617-96bd-425d-8578-e93563fe37c5"/>
+    <ds:schemaRef ds:uri="http://purl.org/dc/dcmitype/"/>
+    <ds:schemaRef ds:uri="http://purl.org/dc/elements/1.1/"/>
+    <ds:schemaRef ds:uri="http://purl.org/dc/terms/"/>
+    <ds:schemaRef ds:uri="http://schemas.microsoft.com/office/2006/documentManagement/types"/>
+    <ds:schemaRef ds:uri="http://schemas.microsoft.com/office/2006/metadata/properties"/>
+    <ds:schemaRef ds:uri="http://schemas.microsoft.com/office/infopath/2007/PartnerControls"/>
+    <ds:schemaRef ds:uri="http://schemas.openxmlformats.org/package/2006/metadata/core-properties"/>
+    <ds:schemaRef ds:uri="http://www.w3.org/XML/1998/namespace"/>
+  </ds:schemaRefs>
+</ds:datastoreItem>
+</file>
+
+<file path=customXml/itemProps2.xml><?xml version="1.0" encoding="utf-8"?>
 <ds:datastoreItem xmlns:ds="http://schemas.openxmlformats.org/officeDocument/2006/customXml" ds:itemID="{7D9E5D5E-A365-4A49-8140-C8CC82A61608}">
   <ds:schemaRefs>
     <ds:schemaRef ds:uri="9162bd5b-4ed9-4da3-b376-05204580ba3f"/>
@@ -8708,23 +8755,6 @@
 </ds:datastoreItem>
 </file>
 
-<file path=customXml/itemProps2.xml><?xml version="1.0" encoding="utf-8"?>
-<ds:datastoreItem xmlns:ds="http://schemas.openxmlformats.org/officeDocument/2006/customXml" ds:itemID="{A6559A34-456E-49A1-8157-9E3D18BFAD36}">
-  <ds:schemaRefs>
-    <ds:schemaRef ds:uri="9162bd5b-4ed9-4da3-b376-05204580ba3f"/>
-    <ds:schemaRef ds:uri="c0fa2617-96bd-425d-8578-e93563fe37c5"/>
-    <ds:schemaRef ds:uri="http://purl.org/dc/dcmitype/"/>
-    <ds:schemaRef ds:uri="http://purl.org/dc/elements/1.1/"/>
-    <ds:schemaRef ds:uri="http://purl.org/dc/terms/"/>
-    <ds:schemaRef ds:uri="http://schemas.microsoft.com/office/2006/documentManagement/types"/>
-    <ds:schemaRef ds:uri="http://schemas.microsoft.com/office/2006/metadata/properties"/>
-    <ds:schemaRef ds:uri="http://schemas.microsoft.com/office/infopath/2007/PartnerControls"/>
-    <ds:schemaRef ds:uri="http://schemas.openxmlformats.org/package/2006/metadata/core-properties"/>
-    <ds:schemaRef ds:uri="http://www.w3.org/XML/1998/namespace"/>
-  </ds:schemaRefs>
-</ds:datastoreItem>
-</file>
-
 <file path=customXml/itemProps3.xml><?xml version="1.0" encoding="utf-8"?>
 <ds:datastoreItem xmlns:ds="http://schemas.openxmlformats.org/officeDocument/2006/customXml" ds:itemID="{3706AB80-2608-47D7-8AC8-FA6BC8A9B27C}">
   <ds:schemaRefs>
